--- a/1. Zomato Data Analysis Using Python/report.pptx
+++ b/1. Zomato Data Analysis Using Python/report.pptx
@@ -843,7 +843,7 @@
           <a:p>
             <a:fld id="{C31AF2B5-8395-41C1-B116-78D590B0D653}" type="datetimeFigureOut">
               <a:rPr lang="en-US" smtClean="0"/>
-              <a:t>8/3/2024</a:t>
+              <a:t>8/6/2024</a:t>
             </a:fld>
             <a:endParaRPr lang="en-US"/>
           </a:p>
@@ -1094,7 +1094,7 @@
           <a:p>
             <a:fld id="{C31AF2B5-8395-41C1-B116-78D590B0D653}" type="datetimeFigureOut">
               <a:rPr lang="en-US" smtClean="0"/>
-              <a:t>8/3/2024</a:t>
+              <a:t>8/6/2024</a:t>
             </a:fld>
             <a:endParaRPr lang="en-US"/>
           </a:p>
@@ -1408,7 +1408,7 @@
           <a:p>
             <a:fld id="{C31AF2B5-8395-41C1-B116-78D590B0D653}" type="datetimeFigureOut">
               <a:rPr lang="en-US" smtClean="0"/>
-              <a:t>8/3/2024</a:t>
+              <a:t>8/6/2024</a:t>
             </a:fld>
             <a:endParaRPr lang="en-US"/>
           </a:p>
@@ -1749,7 +1749,7 @@
           <a:p>
             <a:fld id="{C31AF2B5-8395-41C1-B116-78D590B0D653}" type="datetimeFigureOut">
               <a:rPr lang="en-US" smtClean="0"/>
-              <a:t>8/3/2024</a:t>
+              <a:t>8/6/2024</a:t>
             </a:fld>
             <a:endParaRPr lang="en-US"/>
           </a:p>
@@ -2063,7 +2063,7 @@
           <a:p>
             <a:fld id="{C31AF2B5-8395-41C1-B116-78D590B0D653}" type="datetimeFigureOut">
               <a:rPr lang="en-US" smtClean="0"/>
-              <a:t>8/3/2024</a:t>
+              <a:t>8/6/2024</a:t>
             </a:fld>
             <a:endParaRPr lang="en-US"/>
           </a:p>
@@ -2456,7 +2456,7 @@
           <a:p>
             <a:fld id="{C31AF2B5-8395-41C1-B116-78D590B0D653}" type="datetimeFigureOut">
               <a:rPr lang="en-US" smtClean="0"/>
-              <a:t>8/3/2024</a:t>
+              <a:t>8/6/2024</a:t>
             </a:fld>
             <a:endParaRPr lang="en-US"/>
           </a:p>
@@ -2626,7 +2626,7 @@
           <a:p>
             <a:fld id="{C31AF2B5-8395-41C1-B116-78D590B0D653}" type="datetimeFigureOut">
               <a:rPr lang="en-US" smtClean="0"/>
-              <a:t>8/3/2024</a:t>
+              <a:t>8/6/2024</a:t>
             </a:fld>
             <a:endParaRPr lang="en-US"/>
           </a:p>
@@ -2806,7 +2806,7 @@
           <a:p>
             <a:fld id="{C31AF2B5-8395-41C1-B116-78D590B0D653}" type="datetimeFigureOut">
               <a:rPr lang="en-US" smtClean="0"/>
-              <a:t>8/3/2024</a:t>
+              <a:t>8/6/2024</a:t>
             </a:fld>
             <a:endParaRPr lang="en-US"/>
           </a:p>
@@ -2982,7 +2982,7 @@
           <a:p>
             <a:fld id="{C31AF2B5-8395-41C1-B116-78D590B0D653}" type="datetimeFigureOut">
               <a:rPr lang="en-US" smtClean="0"/>
-              <a:t>8/3/2024</a:t>
+              <a:t>8/6/2024</a:t>
             </a:fld>
             <a:endParaRPr lang="en-US"/>
           </a:p>
@@ -3229,7 +3229,7 @@
           <a:p>
             <a:fld id="{C31AF2B5-8395-41C1-B116-78D590B0D653}" type="datetimeFigureOut">
               <a:rPr lang="en-US" smtClean="0"/>
-              <a:t>8/3/2024</a:t>
+              <a:t>8/6/2024</a:t>
             </a:fld>
             <a:endParaRPr lang="en-US"/>
           </a:p>
@@ -3461,7 +3461,7 @@
           <a:p>
             <a:fld id="{C31AF2B5-8395-41C1-B116-78D590B0D653}" type="datetimeFigureOut">
               <a:rPr lang="en-US" smtClean="0"/>
-              <a:t>8/3/2024</a:t>
+              <a:t>8/6/2024</a:t>
             </a:fld>
             <a:endParaRPr lang="en-US"/>
           </a:p>
@@ -3835,7 +3835,7 @@
           <a:p>
             <a:fld id="{C31AF2B5-8395-41C1-B116-78D590B0D653}" type="datetimeFigureOut">
               <a:rPr lang="en-US" smtClean="0"/>
-              <a:t>8/3/2024</a:t>
+              <a:t>8/6/2024</a:t>
             </a:fld>
             <a:endParaRPr lang="en-US"/>
           </a:p>
@@ -3958,7 +3958,7 @@
           <a:p>
             <a:fld id="{C31AF2B5-8395-41C1-B116-78D590B0D653}" type="datetimeFigureOut">
               <a:rPr lang="en-US" smtClean="0"/>
-              <a:t>8/3/2024</a:t>
+              <a:t>8/6/2024</a:t>
             </a:fld>
             <a:endParaRPr lang="en-US"/>
           </a:p>
@@ -4053,7 +4053,7 @@
           <a:p>
             <a:fld id="{C31AF2B5-8395-41C1-B116-78D590B0D653}" type="datetimeFigureOut">
               <a:rPr lang="en-US" smtClean="0"/>
-              <a:t>8/3/2024</a:t>
+              <a:t>8/6/2024</a:t>
             </a:fld>
             <a:endParaRPr lang="en-US"/>
           </a:p>
@@ -4308,7 +4308,7 @@
           <a:p>
             <a:fld id="{C31AF2B5-8395-41C1-B116-78D590B0D653}" type="datetimeFigureOut">
               <a:rPr lang="en-US" smtClean="0"/>
-              <a:t>8/3/2024</a:t>
+              <a:t>8/6/2024</a:t>
             </a:fld>
             <a:endParaRPr lang="en-US"/>
           </a:p>
@@ -4571,7 +4571,7 @@
           <a:p>
             <a:fld id="{C31AF2B5-8395-41C1-B116-78D590B0D653}" type="datetimeFigureOut">
               <a:rPr lang="en-US" smtClean="0"/>
-              <a:t>8/3/2024</a:t>
+              <a:t>8/6/2024</a:t>
             </a:fld>
             <a:endParaRPr lang="en-US"/>
           </a:p>
@@ -5314,7 +5314,7 @@
           <a:p>
             <a:fld id="{C31AF2B5-8395-41C1-B116-78D590B0D653}" type="datetimeFigureOut">
               <a:rPr lang="en-US" smtClean="0"/>
-              <a:t>8/3/2024</a:t>
+              <a:t>8/6/2024</a:t>
             </a:fld>
             <a:endParaRPr lang="en-US"/>
           </a:p>
@@ -6224,7 +6224,30 @@
               <a:buNone/>
             </a:pPr>
             <a:r>
-              <a:rPr lang="en-US" sz="2000" kern="1200">
+              <a:rPr lang="en-US" sz="2000" dirty="0"/>
+              <a:t>VU HO</a:t>
+            </a:r>
+            <a:endParaRPr lang="en-US" sz="2000" kern="1200" dirty="0">
+              <a:solidFill>
+                <a:schemeClr val="tx1">
+                  <a:lumMod val="75000"/>
+                  <a:lumOff val="25000"/>
+                </a:schemeClr>
+              </a:solidFill>
+              <a:latin typeface="+mn-lt"/>
+              <a:ea typeface="+mn-ea"/>
+              <a:cs typeface="+mn-cs"/>
+            </a:endParaRPr>
+          </a:p>
+          <a:p>
+            <a:pPr marL="0" indent="0" defTabSz="236601">
+              <a:spcBef>
+                <a:spcPts val="518"/>
+              </a:spcBef>
+              <a:buNone/>
+            </a:pPr>
+            <a:r>
+              <a:rPr lang="en-US" sz="2000" kern="1200" dirty="0">
                 <a:solidFill>
                   <a:schemeClr val="tx1">
                     <a:lumMod val="75000"/>
@@ -6235,18 +6258,14 @@
                 <a:ea typeface="+mn-ea"/>
                 <a:cs typeface="+mn-cs"/>
               </a:rPr>
-              <a:t>Vu Ho</a:t>
-            </a:r>
-          </a:p>
-          <a:p>
-            <a:pPr marL="0" indent="0" defTabSz="236601">
-              <a:spcBef>
-                <a:spcPts val="518"/>
-              </a:spcBef>
-              <a:buNone/>
-            </a:pPr>
-            <a:r>
-              <a:rPr lang="en-US" sz="2000" kern="1200">
+              <a:t>Jun - </a:t>
+            </a:r>
+            <a:r>
+              <a:rPr lang="en-US" sz="2000" dirty="0"/>
+              <a:t>27</a:t>
+            </a:r>
+            <a:r>
+              <a:rPr lang="en-US" sz="2000" kern="1200" dirty="0">
                 <a:solidFill>
                   <a:schemeClr val="tx1">
                     <a:lumMod val="75000"/>
@@ -6257,9 +6276,9 @@
                 <a:ea typeface="+mn-ea"/>
                 <a:cs typeface="+mn-cs"/>
               </a:rPr>
-              <a:t>Jun - 28 - 2024</a:t>
-            </a:r>
-            <a:endParaRPr lang="en-US" sz="2000"/>
+              <a:t> - 2024</a:t>
+            </a:r>
+            <a:endParaRPr lang="en-US" sz="2000" dirty="0"/>
           </a:p>
         </p:txBody>
       </p:sp>
